--- a/Presentation1.pptx
+++ b/Presentation1.pptx
@@ -6,7 +6,11 @@
   </p:sldMasterIdLst>
   <p:sldIdLst>
     <p:sldId id="256" r:id="rId2"/>
-    <p:sldId id="257" r:id="rId3"/>
+    <p:sldId id="261" r:id="rId3"/>
+    <p:sldId id="258" r:id="rId4"/>
+    <p:sldId id="259" r:id="rId5"/>
+    <p:sldId id="257" r:id="rId6"/>
+    <p:sldId id="260" r:id="rId7"/>
   </p:sldIdLst>
   <p:sldSz cx="12192000" cy="6858000"/>
   <p:notesSz cx="6858000" cy="9144000"/>
@@ -276,7 +280,7 @@
           <a:p>
             <a:fld id="{6E09D1D1-A4CF-7146-A09E-764AFE6029C7}" type="datetimeFigureOut">
               <a:rPr lang="en-US" smtClean="0"/>
-              <a:t>3/11/22</a:t>
+              <a:t>3/13/22</a:t>
             </a:fld>
             <a:endParaRPr lang="en-US"/>
           </a:p>
@@ -446,7 +450,7 @@
           <a:p>
             <a:fld id="{6E09D1D1-A4CF-7146-A09E-764AFE6029C7}" type="datetimeFigureOut">
               <a:rPr lang="en-US" smtClean="0"/>
-              <a:t>3/11/22</a:t>
+              <a:t>3/13/22</a:t>
             </a:fld>
             <a:endParaRPr lang="en-US"/>
           </a:p>
@@ -626,7 +630,7 @@
           <a:p>
             <a:fld id="{6E09D1D1-A4CF-7146-A09E-764AFE6029C7}" type="datetimeFigureOut">
               <a:rPr lang="en-US" smtClean="0"/>
-              <a:t>3/11/22</a:t>
+              <a:t>3/13/22</a:t>
             </a:fld>
             <a:endParaRPr lang="en-US"/>
           </a:p>
@@ -796,7 +800,7 @@
           <a:p>
             <a:fld id="{6E09D1D1-A4CF-7146-A09E-764AFE6029C7}" type="datetimeFigureOut">
               <a:rPr lang="en-US" smtClean="0"/>
-              <a:t>3/11/22</a:t>
+              <a:t>3/13/22</a:t>
             </a:fld>
             <a:endParaRPr lang="en-US"/>
           </a:p>
@@ -1064,7 +1068,7 @@
           <a:p>
             <a:fld id="{6E09D1D1-A4CF-7146-A09E-764AFE6029C7}" type="datetimeFigureOut">
               <a:rPr lang="en-US" smtClean="0"/>
-              <a:t>3/11/22</a:t>
+              <a:t>3/13/22</a:t>
             </a:fld>
             <a:endParaRPr lang="en-US"/>
           </a:p>
@@ -1296,7 +1300,7 @@
           <a:p>
             <a:fld id="{6E09D1D1-A4CF-7146-A09E-764AFE6029C7}" type="datetimeFigureOut">
               <a:rPr lang="en-US" smtClean="0"/>
-              <a:t>3/11/22</a:t>
+              <a:t>3/13/22</a:t>
             </a:fld>
             <a:endParaRPr lang="en-US"/>
           </a:p>
@@ -1655,7 +1659,7 @@
           <a:p>
             <a:fld id="{6E09D1D1-A4CF-7146-A09E-764AFE6029C7}" type="datetimeFigureOut">
               <a:rPr lang="en-US" smtClean="0"/>
-              <a:t>3/11/22</a:t>
+              <a:t>3/13/22</a:t>
             </a:fld>
             <a:endParaRPr lang="en-US"/>
           </a:p>
@@ -1796,7 +1800,7 @@
           <a:p>
             <a:fld id="{6E09D1D1-A4CF-7146-A09E-764AFE6029C7}" type="datetimeFigureOut">
               <a:rPr lang="en-US" smtClean="0"/>
-              <a:t>3/11/22</a:t>
+              <a:t>3/13/22</a:t>
             </a:fld>
             <a:endParaRPr lang="en-US"/>
           </a:p>
@@ -1891,7 +1895,7 @@
           <a:p>
             <a:fld id="{6E09D1D1-A4CF-7146-A09E-764AFE6029C7}" type="datetimeFigureOut">
               <a:rPr lang="en-US" smtClean="0"/>
-              <a:t>3/11/22</a:t>
+              <a:t>3/13/22</a:t>
             </a:fld>
             <a:endParaRPr lang="en-US"/>
           </a:p>
@@ -2248,7 +2252,7 @@
           <a:p>
             <a:fld id="{6E09D1D1-A4CF-7146-A09E-764AFE6029C7}" type="datetimeFigureOut">
               <a:rPr lang="en-US" smtClean="0"/>
-              <a:t>3/11/22</a:t>
+              <a:t>3/13/22</a:t>
             </a:fld>
             <a:endParaRPr lang="en-US"/>
           </a:p>
@@ -2605,7 +2609,7 @@
           <a:p>
             <a:fld id="{6E09D1D1-A4CF-7146-A09E-764AFE6029C7}" type="datetimeFigureOut">
               <a:rPr lang="en-US" smtClean="0"/>
-              <a:t>3/11/22</a:t>
+              <a:t>3/13/22</a:t>
             </a:fld>
             <a:endParaRPr lang="en-US"/>
           </a:p>
@@ -2847,7 +2851,7 @@
           <a:p>
             <a:fld id="{6E09D1D1-A4CF-7146-A09E-764AFE6029C7}" type="datetimeFigureOut">
               <a:rPr lang="en-US" smtClean="0"/>
-              <a:t>3/11/22</a:t>
+              <a:t>3/13/22</a:t>
             </a:fld>
             <a:endParaRPr lang="en-US"/>
           </a:p>
@@ -3442,6 +3446,321 @@
           <a:chExt cx="0" cy="0"/>
         </a:xfrm>
       </p:grpSpPr>
+      <p:sp>
+        <p:nvSpPr>
+          <p:cNvPr id="2" name="Title 1">
+            <a:extLst>
+              <a:ext uri="{FF2B5EF4-FFF2-40B4-BE49-F238E27FC236}">
+                <a16:creationId xmlns:a16="http://schemas.microsoft.com/office/drawing/2014/main" id="{513263FE-2BF6-B44E-97DE-0C4D147DEBCE}"/>
+              </a:ext>
+            </a:extLst>
+          </p:cNvPr>
+          <p:cNvSpPr>
+            <a:spLocks noGrp="1"/>
+          </p:cNvSpPr>
+          <p:nvPr>
+            <p:ph type="title"/>
+          </p:nvPr>
+        </p:nvSpPr>
+        <p:spPr/>
+        <p:txBody>
+          <a:bodyPr/>
+          <a:lstStyle/>
+          <a:p>
+            <a:r>
+              <a:rPr lang="en-US" dirty="0"/>
+              <a:t>Roles Assigned</a:t>
+            </a:r>
+          </a:p>
+        </p:txBody>
+      </p:sp>
+      <p:sp>
+        <p:nvSpPr>
+          <p:cNvPr id="3" name="Content Placeholder 2">
+            <a:extLst>
+              <a:ext uri="{FF2B5EF4-FFF2-40B4-BE49-F238E27FC236}">
+                <a16:creationId xmlns:a16="http://schemas.microsoft.com/office/drawing/2014/main" id="{E9430682-9C3A-014A-9C34-7C4900E8DB46}"/>
+              </a:ext>
+            </a:extLst>
+          </p:cNvPr>
+          <p:cNvSpPr>
+            <a:spLocks noGrp="1"/>
+          </p:cNvSpPr>
+          <p:nvPr>
+            <p:ph idx="1"/>
+          </p:nvPr>
+        </p:nvSpPr>
+        <p:spPr/>
+        <p:txBody>
+          <a:bodyPr/>
+          <a:lstStyle/>
+          <a:p>
+            <a:r>
+              <a:rPr lang="en-US" dirty="0"/>
+              <a:t>SQUARE: PAULA</a:t>
+            </a:r>
+          </a:p>
+          <a:p>
+            <a:r>
+              <a:rPr lang="en-US" dirty="0"/>
+              <a:t>TRIANGLE: KATHY, RUCHI</a:t>
+            </a:r>
+          </a:p>
+          <a:p>
+            <a:r>
+              <a:rPr lang="en-US" dirty="0"/>
+              <a:t>CIRCLE: MATT, JED, PAULA</a:t>
+            </a:r>
+          </a:p>
+          <a:p>
+            <a:r>
+              <a:rPr lang="en-US"/>
+              <a:t>X: ALL</a:t>
+            </a:r>
+            <a:endParaRPr lang="en-US" dirty="0"/>
+          </a:p>
+        </p:txBody>
+      </p:sp>
+    </p:spTree>
+    <p:extLst>
+      <p:ext uri="{BB962C8B-B14F-4D97-AF65-F5344CB8AC3E}">
+        <p14:creationId xmlns:p14="http://schemas.microsoft.com/office/powerpoint/2010/main" val="4069693037"/>
+      </p:ext>
+    </p:extLst>
+  </p:cSld>
+  <p:clrMapOvr>
+    <a:masterClrMapping/>
+  </p:clrMapOvr>
+</p:sld>
+</file>
+
+<file path=ppt/slides/slide3.xml><?xml version="1.0" encoding="utf-8"?>
+<p:sld xmlns:a="http://schemas.openxmlformats.org/drawingml/2006/main" xmlns:r="http://schemas.openxmlformats.org/officeDocument/2006/relationships" xmlns:p="http://schemas.openxmlformats.org/presentationml/2006/main">
+  <p:cSld>
+    <p:spTree>
+      <p:nvGrpSpPr>
+        <p:cNvPr id="1" name=""/>
+        <p:cNvGrpSpPr/>
+        <p:nvPr/>
+      </p:nvGrpSpPr>
+      <p:grpSpPr>
+        <a:xfrm>
+          <a:off x="0" y="0"/>
+          <a:ext cx="0" cy="0"/>
+          <a:chOff x="0" y="0"/>
+          <a:chExt cx="0" cy="0"/>
+        </a:xfrm>
+      </p:grpSpPr>
+      <p:sp>
+        <p:nvSpPr>
+          <p:cNvPr id="2" name="Title 1">
+            <a:extLst>
+              <a:ext uri="{FF2B5EF4-FFF2-40B4-BE49-F238E27FC236}">
+                <a16:creationId xmlns:a16="http://schemas.microsoft.com/office/drawing/2014/main" id="{F6E2A932-FDCB-144F-A43F-530AE4860D2D}"/>
+              </a:ext>
+            </a:extLst>
+          </p:cNvPr>
+          <p:cNvSpPr>
+            <a:spLocks noGrp="1"/>
+          </p:cNvSpPr>
+          <p:nvPr>
+            <p:ph type="title"/>
+          </p:nvPr>
+        </p:nvSpPr>
+        <p:spPr/>
+        <p:txBody>
+          <a:bodyPr>
+            <a:normAutofit fontScale="90000"/>
+          </a:bodyPr>
+          <a:lstStyle/>
+          <a:p>
+            <a:r>
+              <a:rPr lang="en-US" dirty="0"/>
+              <a:t>Topic: A Machine Learning Model to Predict housing Prices across various regions based on Inflation rates</a:t>
+            </a:r>
+          </a:p>
+        </p:txBody>
+      </p:sp>
+      <p:sp>
+        <p:nvSpPr>
+          <p:cNvPr id="3" name="Content Placeholder 2">
+            <a:extLst>
+              <a:ext uri="{FF2B5EF4-FFF2-40B4-BE49-F238E27FC236}">
+                <a16:creationId xmlns:a16="http://schemas.microsoft.com/office/drawing/2014/main" id="{E886156E-C3AD-0441-BB5C-F70DC92AEDE7}"/>
+              </a:ext>
+            </a:extLst>
+          </p:cNvPr>
+          <p:cNvSpPr>
+            <a:spLocks noGrp="1"/>
+          </p:cNvSpPr>
+          <p:nvPr>
+            <p:ph idx="1"/>
+          </p:nvPr>
+        </p:nvSpPr>
+        <p:spPr/>
+        <p:txBody>
+          <a:bodyPr/>
+          <a:lstStyle/>
+          <a:p>
+            <a:r>
+              <a:rPr lang="en-US" dirty="0"/>
+              <a:t>In the last month we have a 40-year high in inflation rates. Our group is interested in understanding the impact these aggressive increases will have on housing prices across our various locations.</a:t>
+            </a:r>
+          </a:p>
+          <a:p>
+            <a:endParaRPr lang="en-US" dirty="0"/>
+          </a:p>
+        </p:txBody>
+      </p:sp>
+    </p:spTree>
+    <p:extLst>
+      <p:ext uri="{BB962C8B-B14F-4D97-AF65-F5344CB8AC3E}">
+        <p14:creationId xmlns:p14="http://schemas.microsoft.com/office/powerpoint/2010/main" val="642248427"/>
+      </p:ext>
+    </p:extLst>
+  </p:cSld>
+  <p:clrMapOvr>
+    <a:masterClrMapping/>
+  </p:clrMapOvr>
+</p:sld>
+</file>
+
+<file path=ppt/slides/slide4.xml><?xml version="1.0" encoding="utf-8"?>
+<p:sld xmlns:a="http://schemas.openxmlformats.org/drawingml/2006/main" xmlns:r="http://schemas.openxmlformats.org/officeDocument/2006/relationships" xmlns:p="http://schemas.openxmlformats.org/presentationml/2006/main">
+  <p:cSld>
+    <p:spTree>
+      <p:nvGrpSpPr>
+        <p:cNvPr id="1" name=""/>
+        <p:cNvGrpSpPr/>
+        <p:nvPr/>
+      </p:nvGrpSpPr>
+      <p:grpSpPr>
+        <a:xfrm>
+          <a:off x="0" y="0"/>
+          <a:ext cx="0" cy="0"/>
+          <a:chOff x="0" y="0"/>
+          <a:chExt cx="0" cy="0"/>
+        </a:xfrm>
+      </p:grpSpPr>
+      <p:sp>
+        <p:nvSpPr>
+          <p:cNvPr id="2" name="Title 1">
+            <a:extLst>
+              <a:ext uri="{FF2B5EF4-FFF2-40B4-BE49-F238E27FC236}">
+                <a16:creationId xmlns:a16="http://schemas.microsoft.com/office/drawing/2014/main" id="{46F6F165-396C-C446-8FF2-FD1588ECB0ED}"/>
+              </a:ext>
+            </a:extLst>
+          </p:cNvPr>
+          <p:cNvSpPr>
+            <a:spLocks noGrp="1"/>
+          </p:cNvSpPr>
+          <p:nvPr>
+            <p:ph type="title"/>
+          </p:nvPr>
+        </p:nvSpPr>
+        <p:spPr/>
+        <p:txBody>
+          <a:bodyPr/>
+          <a:lstStyle/>
+          <a:p>
+            <a:r>
+              <a:rPr lang="en-US" dirty="0"/>
+              <a:t>Description of Data Source</a:t>
+            </a:r>
+          </a:p>
+        </p:txBody>
+      </p:sp>
+      <p:sp>
+        <p:nvSpPr>
+          <p:cNvPr id="3" name="Content Placeholder 2">
+            <a:extLst>
+              <a:ext uri="{FF2B5EF4-FFF2-40B4-BE49-F238E27FC236}">
+                <a16:creationId xmlns:a16="http://schemas.microsoft.com/office/drawing/2014/main" id="{2DE8FE67-46AC-0C4E-BE61-8CA676826E5E}"/>
+              </a:ext>
+            </a:extLst>
+          </p:cNvPr>
+          <p:cNvSpPr>
+            <a:spLocks noGrp="1"/>
+          </p:cNvSpPr>
+          <p:nvPr>
+            <p:ph idx="1"/>
+          </p:nvPr>
+        </p:nvSpPr>
+        <p:spPr/>
+        <p:txBody>
+          <a:bodyPr>
+            <a:normAutofit/>
+          </a:bodyPr>
+          <a:lstStyle/>
+          <a:p>
+            <a:r>
+              <a:rPr lang="en-US" dirty="0" err="1"/>
+              <a:t>Kaggle.com</a:t>
+            </a:r>
+            <a:r>
+              <a:rPr lang="en-US" dirty="0"/>
+              <a:t> : Zillow Housing Price Dataset</a:t>
+            </a:r>
+          </a:p>
+          <a:p>
+            <a:r>
+              <a:rPr lang="en-US" dirty="0"/>
+              <a:t>- Over 3,700 rows and 150 columns, and contains information on housing prices across multiple regions in the United States..</a:t>
+            </a:r>
+          </a:p>
+          <a:p>
+            <a:r>
+              <a:rPr lang="en-US" dirty="0"/>
+              <a:t>Consumer Price Dataset</a:t>
+            </a:r>
+          </a:p>
+          <a:p>
+            <a:r>
+              <a:rPr lang="en-US" dirty="0"/>
+              <a:t>- Over 1,310 rows and 2 columns, and contains information on the consumer price index between 1913 to 2022.</a:t>
+            </a:r>
+          </a:p>
+          <a:p>
+            <a:pPr marL="0" indent="0">
+              <a:buNone/>
+            </a:pPr>
+            <a:br>
+              <a:rPr lang="en-US" dirty="0"/>
+            </a:br>
+            <a:endParaRPr lang="en-US" dirty="0"/>
+          </a:p>
+        </p:txBody>
+      </p:sp>
+    </p:spTree>
+    <p:extLst>
+      <p:ext uri="{BB962C8B-B14F-4D97-AF65-F5344CB8AC3E}">
+        <p14:creationId xmlns:p14="http://schemas.microsoft.com/office/powerpoint/2010/main" val="2948181459"/>
+      </p:ext>
+    </p:extLst>
+  </p:cSld>
+  <p:clrMapOvr>
+    <a:masterClrMapping/>
+  </p:clrMapOvr>
+</p:sld>
+</file>
+
+<file path=ppt/slides/slide5.xml><?xml version="1.0" encoding="utf-8"?>
+<p:sld xmlns:a="http://schemas.openxmlformats.org/drawingml/2006/main" xmlns:r="http://schemas.openxmlformats.org/officeDocument/2006/relationships" xmlns:p="http://schemas.openxmlformats.org/presentationml/2006/main">
+  <p:cSld>
+    <p:spTree>
+      <p:nvGrpSpPr>
+        <p:cNvPr id="1" name=""/>
+        <p:cNvGrpSpPr/>
+        <p:nvPr/>
+      </p:nvGrpSpPr>
+      <p:grpSpPr>
+        <a:xfrm>
+          <a:off x="0" y="0"/>
+          <a:ext cx="0" cy="0"/>
+          <a:chOff x="0" y="0"/>
+          <a:chExt cx="0" cy="0"/>
+        </a:xfrm>
+      </p:grpSpPr>
       <p:pic>
         <p:nvPicPr>
           <p:cNvPr id="7" name="Picture 6">
@@ -3476,6 +3795,92 @@
     <p:extLst>
       <p:ext uri="{BB962C8B-B14F-4D97-AF65-F5344CB8AC3E}">
         <p14:creationId xmlns:p14="http://schemas.microsoft.com/office/powerpoint/2010/main" val="448634173"/>
+      </p:ext>
+    </p:extLst>
+  </p:cSld>
+  <p:clrMapOvr>
+    <a:masterClrMapping/>
+  </p:clrMapOvr>
+</p:sld>
+</file>
+
+<file path=ppt/slides/slide6.xml><?xml version="1.0" encoding="utf-8"?>
+<p:sld xmlns:a="http://schemas.openxmlformats.org/drawingml/2006/main" xmlns:r="http://schemas.openxmlformats.org/officeDocument/2006/relationships" xmlns:p="http://schemas.openxmlformats.org/presentationml/2006/main">
+  <p:cSld>
+    <p:spTree>
+      <p:nvGrpSpPr>
+        <p:cNvPr id="1" name=""/>
+        <p:cNvGrpSpPr/>
+        <p:nvPr/>
+      </p:nvGrpSpPr>
+      <p:grpSpPr>
+        <a:xfrm>
+          <a:off x="0" y="0"/>
+          <a:ext cx="0" cy="0"/>
+          <a:chOff x="0" y="0"/>
+          <a:chExt cx="0" cy="0"/>
+        </a:xfrm>
+      </p:grpSpPr>
+      <p:sp>
+        <p:nvSpPr>
+          <p:cNvPr id="2" name="Title 1">
+            <a:extLst>
+              <a:ext uri="{FF2B5EF4-FFF2-40B4-BE49-F238E27FC236}">
+                <a16:creationId xmlns:a16="http://schemas.microsoft.com/office/drawing/2014/main" id="{9EC32CBA-789D-454A-95E3-DC608130E33B}"/>
+              </a:ext>
+            </a:extLst>
+          </p:cNvPr>
+          <p:cNvSpPr>
+            <a:spLocks noGrp="1"/>
+          </p:cNvSpPr>
+          <p:nvPr>
+            <p:ph type="title"/>
+          </p:nvPr>
+        </p:nvSpPr>
+        <p:spPr/>
+        <p:txBody>
+          <a:bodyPr/>
+          <a:lstStyle/>
+          <a:p>
+            <a:r>
+              <a:rPr lang="en-US" dirty="0"/>
+              <a:t>Question</a:t>
+            </a:r>
+          </a:p>
+        </p:txBody>
+      </p:sp>
+      <p:sp>
+        <p:nvSpPr>
+          <p:cNvPr id="3" name="Content Placeholder 2">
+            <a:extLst>
+              <a:ext uri="{FF2B5EF4-FFF2-40B4-BE49-F238E27FC236}">
+                <a16:creationId xmlns:a16="http://schemas.microsoft.com/office/drawing/2014/main" id="{7201A64F-60D5-7742-9736-FB50B128495A}"/>
+              </a:ext>
+            </a:extLst>
+          </p:cNvPr>
+          <p:cNvSpPr>
+            <a:spLocks noGrp="1"/>
+          </p:cNvSpPr>
+          <p:nvPr>
+            <p:ph idx="1"/>
+          </p:nvPr>
+        </p:nvSpPr>
+        <p:spPr/>
+        <p:txBody>
+          <a:bodyPr/>
+          <a:lstStyle/>
+          <a:p>
+            <a:r>
+              <a:rPr lang="en-US" dirty="0"/>
+              <a:t>The question we are trying to answer in this project is can we create an algorithm that uses inflation rates to predict housing prices in individual regions across the United States?</a:t>
+            </a:r>
+          </a:p>
+        </p:txBody>
+      </p:sp>
+    </p:spTree>
+    <p:extLst>
+      <p:ext uri="{BB962C8B-B14F-4D97-AF65-F5344CB8AC3E}">
+        <p14:creationId xmlns:p14="http://schemas.microsoft.com/office/powerpoint/2010/main" val="1525385082"/>
       </p:ext>
     </p:extLst>
   </p:cSld>
